--- a/교육 자료/[JAVA]2024_어드민교육_2주차.pptx
+++ b/교육 자료/[JAVA]2024_어드민교육_2주차.pptx
@@ -17334,7 +17334,7 @@
                                           </p:stCondLst>
                                         </p:cTn>
                                         <p:tgtEl>
-                                          <p:spTgt spid="16"/>
+                                          <p:spTgt spid="18"/>
                                         </p:tgtEl>
                                         <p:attrNameLst>
                                           <p:attrName>style.visibility</p:attrName>
@@ -17379,7 +17379,7 @@
                                           </p:stCondLst>
                                         </p:cTn>
                                         <p:tgtEl>
-                                          <p:spTgt spid="17"/>
+                                          <p:spTgt spid="19"/>
                                         </p:tgtEl>
                                         <p:attrNameLst>
                                           <p:attrName>style.visibility</p:attrName>
@@ -17424,7 +17424,7 @@
                                           </p:stCondLst>
                                         </p:cTn>
                                         <p:tgtEl>
-                                          <p:spTgt spid="18"/>
+                                          <p:spTgt spid="16"/>
                                         </p:tgtEl>
                                         <p:attrNameLst>
                                           <p:attrName>style.visibility</p:attrName>
@@ -17469,7 +17469,7 @@
                                           </p:stCondLst>
                                         </p:cTn>
                                         <p:tgtEl>
-                                          <p:spTgt spid="19"/>
+                                          <p:spTgt spid="17"/>
                                         </p:tgtEl>
                                         <p:attrNameLst>
                                           <p:attrName>style.visibility</p:attrName>
@@ -20744,10 +20744,10 @@
       </p:sp>
       <p:pic>
         <p:nvPicPr>
-          <p:cNvPr id="3" name="그림 2">
-            <a:extLst>
-              <a:ext uri="{FF2B5EF4-FFF2-40B4-BE49-F238E27FC236}">
-                <a16:creationId xmlns:a16="http://schemas.microsoft.com/office/drawing/2014/main" id="{7D305F02-5707-777F-7E20-32E90287CEED}"/>
+          <p:cNvPr id="7" name="그림 6">
+            <a:extLst>
+              <a:ext uri="{FF2B5EF4-FFF2-40B4-BE49-F238E27FC236}">
+                <a16:creationId xmlns:a16="http://schemas.microsoft.com/office/drawing/2014/main" id="{0EFEE49A-5927-6B40-8A76-E1C3724B8A89}"/>
               </a:ext>
             </a:extLst>
           </p:cNvPr>
@@ -20756,67 +20756,36 @@
           </p:cNvPicPr>
           <p:nvPr/>
         </p:nvPicPr>
-        <p:blipFill>
+        <p:blipFill rotWithShape="1">
           <a:blip r:embed="rId3"/>
-          <a:stretch>
-            <a:fillRect/>
-          </a:stretch>
+          <a:srcRect t="15894"/>
+          <a:stretch/>
         </p:blipFill>
         <p:spPr>
           <a:xfrm>
-            <a:off x="576898" y="1582147"/>
-            <a:ext cx="2768721" cy="5238928"/>
+            <a:off x="2738555" y="1817816"/>
+            <a:ext cx="7064352" cy="4627588"/>
           </a:xfrm>
           <a:prstGeom prst="rect">
             <a:avLst/>
           </a:prstGeom>
         </p:spPr>
       </p:pic>
-      <p:pic>
-        <p:nvPicPr>
-          <p:cNvPr id="7" name="그림 6">
-            <a:extLst>
-              <a:ext uri="{FF2B5EF4-FFF2-40B4-BE49-F238E27FC236}">
-                <a16:creationId xmlns:a16="http://schemas.microsoft.com/office/drawing/2014/main" id="{0EFEE49A-5927-6B40-8A76-E1C3724B8A89}"/>
-              </a:ext>
-            </a:extLst>
-          </p:cNvPr>
-          <p:cNvPicPr>
-            <a:picLocks noChangeAspect="1"/>
-          </p:cNvPicPr>
+      <p:sp>
+        <p:nvSpPr>
+          <p:cNvPr id="8" name="타원 7">
+            <a:extLst>
+              <a:ext uri="{FF2B5EF4-FFF2-40B4-BE49-F238E27FC236}">
+                <a16:creationId xmlns:a16="http://schemas.microsoft.com/office/drawing/2014/main" id="{42FC3712-9A76-9A53-E7E8-85BB828C6287}"/>
+              </a:ext>
+            </a:extLst>
+          </p:cNvPr>
+          <p:cNvSpPr/>
           <p:nvPr/>
-        </p:nvPicPr>
-        <p:blipFill>
-          <a:blip r:embed="rId4"/>
-          <a:stretch>
-            <a:fillRect/>
-          </a:stretch>
-        </p:blipFill>
+        </p:nvSpPr>
         <p:spPr>
           <a:xfrm>
-            <a:off x="4265905" y="1135141"/>
-            <a:ext cx="7064352" cy="5502117"/>
-          </a:xfrm>
-          <a:prstGeom prst="rect">
-            <a:avLst/>
-          </a:prstGeom>
-        </p:spPr>
-      </p:pic>
-      <p:sp>
-        <p:nvSpPr>
-          <p:cNvPr id="8" name="타원 7">
-            <a:extLst>
-              <a:ext uri="{FF2B5EF4-FFF2-40B4-BE49-F238E27FC236}">
-                <a16:creationId xmlns:a16="http://schemas.microsoft.com/office/drawing/2014/main" id="{42FC3712-9A76-9A53-E7E8-85BB828C6287}"/>
-              </a:ext>
-            </a:extLst>
-          </p:cNvPr>
-          <p:cNvSpPr/>
-          <p:nvPr/>
-        </p:nvSpPr>
-        <p:spPr>
-          <a:xfrm>
-            <a:off x="4362508" y="2761863"/>
+            <a:off x="2835158" y="2570009"/>
             <a:ext cx="638702" cy="550506"/>
           </a:xfrm>
           <a:prstGeom prst="ellipse">
@@ -20868,7 +20837,7 @@
         </p:nvSpPr>
         <p:spPr>
           <a:xfrm>
-            <a:off x="5696785" y="4963887"/>
+            <a:off x="4169435" y="4772033"/>
             <a:ext cx="638702" cy="550506"/>
           </a:xfrm>
           <a:prstGeom prst="ellipse">
@@ -20977,130 +20946,6 @@
       </p:transition>
     </mc:Fallback>
   </mc:AlternateContent>
-  <p:timing>
-    <p:tnLst>
-      <p:par>
-        <p:cTn id="1" dur="indefinite" restart="never" nodeType="tmRoot">
-          <p:childTnLst>
-            <p:seq concurrent="1" nextAc="seek">
-              <p:cTn id="2" dur="indefinite" nodeType="mainSeq">
-                <p:childTnLst>
-                  <p:par>
-                    <p:cTn id="3" fill="hold">
-                      <p:stCondLst>
-                        <p:cond delay="indefinite"/>
-                      </p:stCondLst>
-                      <p:childTnLst>
-                        <p:par>
-                          <p:cTn id="4" fill="hold">
-                            <p:stCondLst>
-                              <p:cond delay="0"/>
-                            </p:stCondLst>
-                            <p:childTnLst>
-                              <p:par>
-                                <p:cTn id="5" presetID="1" presetClass="entr" presetSubtype="0" fill="hold" grpId="0" nodeType="clickEffect">
-                                  <p:stCondLst>
-                                    <p:cond delay="0"/>
-                                  </p:stCondLst>
-                                  <p:childTnLst>
-                                    <p:set>
-                                      <p:cBhvr>
-                                        <p:cTn id="6" dur="1" fill="hold">
-                                          <p:stCondLst>
-                                            <p:cond delay="0"/>
-                                          </p:stCondLst>
-                                        </p:cTn>
-                                        <p:tgtEl>
-                                          <p:spTgt spid="8"/>
-                                        </p:tgtEl>
-                                        <p:attrNameLst>
-                                          <p:attrName>style.visibility</p:attrName>
-                                        </p:attrNameLst>
-                                      </p:cBhvr>
-                                      <p:to>
-                                        <p:strVal val="visible"/>
-                                      </p:to>
-                                    </p:set>
-                                  </p:childTnLst>
-                                </p:cTn>
-                              </p:par>
-                            </p:childTnLst>
-                          </p:cTn>
-                        </p:par>
-                      </p:childTnLst>
-                    </p:cTn>
-                  </p:par>
-                  <p:par>
-                    <p:cTn id="7" fill="hold">
-                      <p:stCondLst>
-                        <p:cond delay="indefinite"/>
-                      </p:stCondLst>
-                      <p:childTnLst>
-                        <p:par>
-                          <p:cTn id="8" fill="hold">
-                            <p:stCondLst>
-                              <p:cond delay="0"/>
-                            </p:stCondLst>
-                            <p:childTnLst>
-                              <p:par>
-                                <p:cTn id="9" presetID="1" presetClass="entr" presetSubtype="0" fill="hold" grpId="0" nodeType="clickEffect">
-                                  <p:stCondLst>
-                                    <p:cond delay="0"/>
-                                  </p:stCondLst>
-                                  <p:childTnLst>
-                                    <p:set>
-                                      <p:cBhvr>
-                                        <p:cTn id="10" dur="1" fill="hold">
-                                          <p:stCondLst>
-                                            <p:cond delay="0"/>
-                                          </p:stCondLst>
-                                        </p:cTn>
-                                        <p:tgtEl>
-                                          <p:spTgt spid="9"/>
-                                        </p:tgtEl>
-                                        <p:attrNameLst>
-                                          <p:attrName>style.visibility</p:attrName>
-                                        </p:attrNameLst>
-                                      </p:cBhvr>
-                                      <p:to>
-                                        <p:strVal val="visible"/>
-                                      </p:to>
-                                    </p:set>
-                                  </p:childTnLst>
-                                </p:cTn>
-                              </p:par>
-                            </p:childTnLst>
-                          </p:cTn>
-                        </p:par>
-                      </p:childTnLst>
-                    </p:cTn>
-                  </p:par>
-                </p:childTnLst>
-              </p:cTn>
-              <p:prevCondLst>
-                <p:cond evt="onPrev" delay="0">
-                  <p:tgtEl>
-                    <p:sldTgt/>
-                  </p:tgtEl>
-                </p:cond>
-              </p:prevCondLst>
-              <p:nextCondLst>
-                <p:cond evt="onNext" delay="0">
-                  <p:tgtEl>
-                    <p:sldTgt/>
-                  </p:tgtEl>
-                </p:cond>
-              </p:nextCondLst>
-            </p:seq>
-          </p:childTnLst>
-        </p:cTn>
-      </p:par>
-    </p:tnLst>
-    <p:bldLst>
-      <p:bldP spid="8" grpId="0" animBg="1"/>
-      <p:bldP spid="9" grpId="0" animBg="1"/>
-    </p:bldLst>
-  </p:timing>
 </p:sld>
 </file>
 

--- a/교육 자료/[JAVA]2024_어드민교육_2주차.pptx
+++ b/교육 자료/[JAVA]2024_어드민교육_2주차.pptx
@@ -235,7 +235,7 @@
           <a:p>
             <a:fld id="{1BAA65EA-7CC2-4606-9F91-C4DAE2776A80}" type="datetimeFigureOut">
               <a:rPr lang="ko-KR" altLang="en-US" smtClean="0"/>
-              <a:t>2024-03-01</a:t>
+              <a:t>2024-03-04</a:t>
             </a:fld>
             <a:endParaRPr lang="ko-KR" altLang="en-US"/>
           </a:p>
@@ -1813,7 +1813,7 @@
           <a:p>
             <a:fld id="{8697CD8D-5FF8-45F7-B5D9-86A8A4C3B6A4}" type="datetimeFigureOut">
               <a:rPr lang="ko-KR" altLang="en-US" smtClean="0"/>
-              <a:t>2024-03-01</a:t>
+              <a:t>2024-03-04</a:t>
             </a:fld>
             <a:endParaRPr lang="ko-KR" altLang="en-US"/>
           </a:p>
@@ -2101,7 +2101,7 @@
           <a:p>
             <a:fld id="{8697CD8D-5FF8-45F7-B5D9-86A8A4C3B6A4}" type="datetimeFigureOut">
               <a:rPr lang="ko-KR" altLang="en-US" smtClean="0"/>
-              <a:t>2024-03-01</a:t>
+              <a:t>2024-03-04</a:t>
             </a:fld>
             <a:endParaRPr lang="ko-KR" altLang="en-US"/>
           </a:p>
@@ -2299,7 +2299,7 @@
           <a:p>
             <a:fld id="{8697CD8D-5FF8-45F7-B5D9-86A8A4C3B6A4}" type="datetimeFigureOut">
               <a:rPr lang="ko-KR" altLang="en-US" smtClean="0"/>
-              <a:t>2024-03-01</a:t>
+              <a:t>2024-03-04</a:t>
             </a:fld>
             <a:endParaRPr lang="ko-KR" altLang="en-US"/>
           </a:p>
@@ -2507,7 +2507,7 @@
           <a:p>
             <a:fld id="{8697CD8D-5FF8-45F7-B5D9-86A8A4C3B6A4}" type="datetimeFigureOut">
               <a:rPr lang="ko-KR" altLang="en-US" smtClean="0"/>
-              <a:t>2024-03-01</a:t>
+              <a:t>2024-03-04</a:t>
             </a:fld>
             <a:endParaRPr lang="ko-KR" altLang="en-US"/>
           </a:p>
@@ -2705,7 +2705,7 @@
           <a:p>
             <a:fld id="{8697CD8D-5FF8-45F7-B5D9-86A8A4C3B6A4}" type="datetimeFigureOut">
               <a:rPr lang="ko-KR" altLang="en-US" smtClean="0"/>
-              <a:t>2024-03-01</a:t>
+              <a:t>2024-03-04</a:t>
             </a:fld>
             <a:endParaRPr lang="ko-KR" altLang="en-US"/>
           </a:p>
@@ -2980,7 +2980,7 @@
           <a:p>
             <a:fld id="{8697CD8D-5FF8-45F7-B5D9-86A8A4C3B6A4}" type="datetimeFigureOut">
               <a:rPr lang="ko-KR" altLang="en-US" smtClean="0"/>
-              <a:t>2024-03-01</a:t>
+              <a:t>2024-03-04</a:t>
             </a:fld>
             <a:endParaRPr lang="ko-KR" altLang="en-US"/>
           </a:p>
@@ -3245,7 +3245,7 @@
           <a:p>
             <a:fld id="{8697CD8D-5FF8-45F7-B5D9-86A8A4C3B6A4}" type="datetimeFigureOut">
               <a:rPr lang="ko-KR" altLang="en-US" smtClean="0"/>
-              <a:t>2024-03-01</a:t>
+              <a:t>2024-03-04</a:t>
             </a:fld>
             <a:endParaRPr lang="ko-KR" altLang="en-US"/>
           </a:p>
@@ -3657,7 +3657,7 @@
           <a:p>
             <a:fld id="{8697CD8D-5FF8-45F7-B5D9-86A8A4C3B6A4}" type="datetimeFigureOut">
               <a:rPr lang="ko-KR" altLang="en-US" smtClean="0"/>
-              <a:t>2024-03-01</a:t>
+              <a:t>2024-03-04</a:t>
             </a:fld>
             <a:endParaRPr lang="ko-KR" altLang="en-US"/>
           </a:p>
@@ -3798,7 +3798,7 @@
           <a:p>
             <a:fld id="{8697CD8D-5FF8-45F7-B5D9-86A8A4C3B6A4}" type="datetimeFigureOut">
               <a:rPr lang="ko-KR" altLang="en-US" smtClean="0"/>
-              <a:t>2024-03-01</a:t>
+              <a:t>2024-03-04</a:t>
             </a:fld>
             <a:endParaRPr lang="ko-KR" altLang="en-US"/>
           </a:p>
@@ -4018,7 +4018,7 @@
           <a:p>
             <a:fld id="{8697CD8D-5FF8-45F7-B5D9-86A8A4C3B6A4}" type="datetimeFigureOut">
               <a:rPr lang="ko-KR" altLang="en-US" smtClean="0"/>
-              <a:t>2024-03-01</a:t>
+              <a:t>2024-03-04</a:t>
             </a:fld>
             <a:endParaRPr lang="ko-KR" altLang="en-US"/>
           </a:p>
@@ -4236,7 +4236,7 @@
           <a:p>
             <a:fld id="{8697CD8D-5FF8-45F7-B5D9-86A8A4C3B6A4}" type="datetimeFigureOut">
               <a:rPr lang="ko-KR" altLang="en-US" smtClean="0"/>
-              <a:t>2024-03-01</a:t>
+              <a:t>2024-03-04</a:t>
             </a:fld>
             <a:endParaRPr lang="ko-KR" altLang="en-US"/>
           </a:p>
@@ -4563,7 +4563,7 @@
           <a:p>
             <a:fld id="{8697CD8D-5FF8-45F7-B5D9-86A8A4C3B6A4}" type="datetimeFigureOut">
               <a:rPr lang="ko-KR" altLang="en-US" smtClean="0"/>
-              <a:t>2024-03-01</a:t>
+              <a:t>2024-03-04</a:t>
             </a:fld>
             <a:endParaRPr lang="ko-KR" altLang="en-US"/>
           </a:p>
@@ -4804,7 +4804,7 @@
           <a:p>
             <a:fld id="{8697CD8D-5FF8-45F7-B5D9-86A8A4C3B6A4}" type="datetimeFigureOut">
               <a:rPr lang="ko-KR" altLang="en-US" smtClean="0"/>
-              <a:t>2024-03-01</a:t>
+              <a:t>2024-03-04</a:t>
             </a:fld>
             <a:endParaRPr lang="ko-KR" altLang="en-US"/>
           </a:p>
@@ -13327,7 +13327,7 @@
                   <a:schemeClr val="bg1"/>
                 </a:solidFill>
               </a:rPr>
-              <a:t>Part 1</a:t>
+              <a:t>Part 3</a:t>
             </a:r>
             <a:endParaRPr lang="ko-KR" altLang="en-US" sz="2500" b="1" dirty="0">
               <a:solidFill>
@@ -13983,7 +13983,7 @@
                   <a:schemeClr val="bg1"/>
                 </a:solidFill>
               </a:rPr>
-              <a:t>Part 2</a:t>
+              <a:t>Part 3</a:t>
             </a:r>
             <a:endParaRPr lang="ko-KR" altLang="en-US" sz="2500" b="1" dirty="0">
               <a:solidFill>
@@ -15538,7 +15538,7 @@
                   <a:schemeClr val="bg1"/>
                 </a:solidFill>
               </a:rPr>
-              <a:t>Part 2</a:t>
+              <a:t>Part 3</a:t>
             </a:r>
             <a:endParaRPr lang="ko-KR" altLang="en-US" sz="2500" b="1" dirty="0">
               <a:solidFill>
@@ -17633,7 +17633,7 @@
                   <a:schemeClr val="bg1"/>
                 </a:solidFill>
               </a:rPr>
-              <a:t>Part 2</a:t>
+              <a:t>Part 3</a:t>
             </a:r>
             <a:endParaRPr lang="ko-KR" altLang="en-US" sz="2500" b="1" dirty="0">
               <a:solidFill>
